--- a/Physiolibrary/Resources/Documentation/Physiolibrary v1.0.pptx
+++ b/Physiolibrary/Resources/Documentation/Physiolibrary v1.0.pptx
@@ -311,7 +311,7 @@
             <a:fld id="{932E0058-AB7D-496C-8558-C1CA30B335BE}" type="datetimeFigureOut">
               <a:rPr lang="cs-CZ" smtClean="0"/>
               <a:pPr/>
-              <a:t>11. 12. 2013</a:t>
+              <a:t>19. 12. 2013</a:t>
             </a:fld>
             <a:endParaRPr lang="cs-CZ"/>
           </a:p>
@@ -478,7 +478,7 @@
             <a:fld id="{932E0058-AB7D-496C-8558-C1CA30B335BE}" type="datetimeFigureOut">
               <a:rPr lang="cs-CZ" smtClean="0"/>
               <a:pPr/>
-              <a:t>11. 12. 2013</a:t>
+              <a:t>19. 12. 2013</a:t>
             </a:fld>
             <a:endParaRPr lang="cs-CZ"/>
           </a:p>
@@ -655,7 +655,7 @@
             <a:fld id="{932E0058-AB7D-496C-8558-C1CA30B335BE}" type="datetimeFigureOut">
               <a:rPr lang="cs-CZ" smtClean="0"/>
               <a:pPr/>
-              <a:t>11. 12. 2013</a:t>
+              <a:t>19. 12. 2013</a:t>
             </a:fld>
             <a:endParaRPr lang="cs-CZ"/>
           </a:p>
@@ -822,7 +822,7 @@
             <a:fld id="{932E0058-AB7D-496C-8558-C1CA30B335BE}" type="datetimeFigureOut">
               <a:rPr lang="cs-CZ" smtClean="0"/>
               <a:pPr/>
-              <a:t>11. 12. 2013</a:t>
+              <a:t>19. 12. 2013</a:t>
             </a:fld>
             <a:endParaRPr lang="cs-CZ"/>
           </a:p>
@@ -1065,7 +1065,7 @@
             <a:fld id="{932E0058-AB7D-496C-8558-C1CA30B335BE}" type="datetimeFigureOut">
               <a:rPr lang="cs-CZ" smtClean="0"/>
               <a:pPr/>
-              <a:t>11. 12. 2013</a:t>
+              <a:t>19. 12. 2013</a:t>
             </a:fld>
             <a:endParaRPr lang="cs-CZ"/>
           </a:p>
@@ -1350,7 +1350,7 @@
             <a:fld id="{932E0058-AB7D-496C-8558-C1CA30B335BE}" type="datetimeFigureOut">
               <a:rPr lang="cs-CZ" smtClean="0"/>
               <a:pPr/>
-              <a:t>11. 12. 2013</a:t>
+              <a:t>19. 12. 2013</a:t>
             </a:fld>
             <a:endParaRPr lang="cs-CZ"/>
           </a:p>
@@ -1769,7 +1769,7 @@
             <a:fld id="{932E0058-AB7D-496C-8558-C1CA30B335BE}" type="datetimeFigureOut">
               <a:rPr lang="cs-CZ" smtClean="0"/>
               <a:pPr/>
-              <a:t>11. 12. 2013</a:t>
+              <a:t>19. 12. 2013</a:t>
             </a:fld>
             <a:endParaRPr lang="cs-CZ"/>
           </a:p>
@@ -1884,7 +1884,7 @@
             <a:fld id="{932E0058-AB7D-496C-8558-C1CA30B335BE}" type="datetimeFigureOut">
               <a:rPr lang="cs-CZ" smtClean="0"/>
               <a:pPr/>
-              <a:t>11. 12. 2013</a:t>
+              <a:t>19. 12. 2013</a:t>
             </a:fld>
             <a:endParaRPr lang="cs-CZ"/>
           </a:p>
@@ -1976,7 +1976,7 @@
             <a:fld id="{932E0058-AB7D-496C-8558-C1CA30B335BE}" type="datetimeFigureOut">
               <a:rPr lang="cs-CZ" smtClean="0"/>
               <a:pPr/>
-              <a:t>11. 12. 2013</a:t>
+              <a:t>19. 12. 2013</a:t>
             </a:fld>
             <a:endParaRPr lang="cs-CZ"/>
           </a:p>
@@ -2250,7 +2250,7 @@
             <a:fld id="{932E0058-AB7D-496C-8558-C1CA30B335BE}" type="datetimeFigureOut">
               <a:rPr lang="cs-CZ" smtClean="0"/>
               <a:pPr/>
-              <a:t>11. 12. 2013</a:t>
+              <a:t>19. 12. 2013</a:t>
             </a:fld>
             <a:endParaRPr lang="cs-CZ"/>
           </a:p>
@@ -2500,7 +2500,7 @@
             <a:fld id="{932E0058-AB7D-496C-8558-C1CA30B335BE}" type="datetimeFigureOut">
               <a:rPr lang="cs-CZ" smtClean="0"/>
               <a:pPr/>
-              <a:t>11. 12. 2013</a:t>
+              <a:t>19. 12. 2013</a:t>
             </a:fld>
             <a:endParaRPr lang="cs-CZ"/>
           </a:p>
@@ -2710,7 +2710,7 @@
             <a:fld id="{932E0058-AB7D-496C-8558-C1CA30B335BE}" type="datetimeFigureOut">
               <a:rPr lang="cs-CZ" smtClean="0"/>
               <a:pPr/>
-              <a:t>11. 12. 2013</a:t>
+              <a:t>19. 12. 2013</a:t>
             </a:fld>
             <a:endParaRPr lang="cs-CZ"/>
           </a:p>
@@ -3783,7 +3783,9 @@
             </a:r>
           </a:p>
           <a:p>
-            <a:pPr lvl="1"/>
+            <a:pPr lvl="1">
+              <a:buNone/>
+            </a:pPr>
             <a:r>
               <a:rPr lang="en-US" dirty="0" err="1" smtClean="0"/>
               <a:t>kH</a:t>
